--- a/input/shapes_basic.pptx
+++ b/input/shapes_basic.pptx
@@ -5,12 +5,13 @@
     <p:sldMasterId id="2147483648" r:id="rId1"/>
   </p:sldMasterIdLst>
   <p:notesMasterIdLst>
-    <p:notesMasterId r:id="rId5"/>
+    <p:notesMasterId r:id="rId6"/>
   </p:notesMasterIdLst>
   <p:sldIdLst>
     <p:sldId id="256" r:id="rId2"/>
     <p:sldId id="257" r:id="rId3"/>
     <p:sldId id="258" r:id="rId4"/>
+    <p:sldId id="259" r:id="rId5"/>
   </p:sldIdLst>
   <p:sldSz cx="12192000" cy="6858000"/>
   <p:notesSz cx="6858000" cy="9144000"/>
@@ -718,6 +719,97 @@
     <p:extLst>
       <p:ext uri="{BB962C8B-B14F-4D97-AF65-F5344CB8AC3E}">
         <p14:creationId xmlns:p14="http://schemas.microsoft.com/office/powerpoint/2010/main" val="4180521210"/>
+      </p:ext>
+    </p:extLst>
+  </p:cSld>
+  <p:clrMapOvr>
+    <a:masterClrMapping/>
+  </p:clrMapOvr>
+</p:notes>
+</file>
+
+<file path=ppt/notesSlides/notesSlide4.xml><?xml version="1.0" encoding="utf-8"?>
+<p:notes xmlns:a="http://schemas.openxmlformats.org/drawingml/2006/main" xmlns:r="http://schemas.openxmlformats.org/officeDocument/2006/relationships" xmlns:p="http://schemas.openxmlformats.org/presentationml/2006/main">
+  <p:cSld>
+    <p:spTree>
+      <p:nvGrpSpPr>
+        <p:cNvPr id="1" name=""/>
+        <p:cNvGrpSpPr/>
+        <p:nvPr/>
+      </p:nvGrpSpPr>
+      <p:grpSpPr>
+        <a:xfrm>
+          <a:off x="0" y="0"/>
+          <a:ext cx="0" cy="0"/>
+          <a:chOff x="0" y="0"/>
+          <a:chExt cx="0" cy="0"/>
+        </a:xfrm>
+      </p:grpSpPr>
+      <p:sp>
+        <p:nvSpPr>
+          <p:cNvPr id="2" name="Slide Image Placeholder 1"/>
+          <p:cNvSpPr>
+            <a:spLocks noGrp="1" noRot="1" noChangeAspect="1"/>
+          </p:cNvSpPr>
+          <p:nvPr>
+            <p:ph type="sldImg"/>
+          </p:nvPr>
+        </p:nvSpPr>
+        <p:spPr/>
+      </p:sp>
+      <p:sp>
+        <p:nvSpPr>
+          <p:cNvPr id="3" name="Notes Placeholder 2"/>
+          <p:cNvSpPr>
+            <a:spLocks noGrp="1"/>
+          </p:cNvSpPr>
+          <p:nvPr>
+            <p:ph type="body" idx="1"/>
+          </p:nvPr>
+        </p:nvSpPr>
+        <p:spPr/>
+        <p:txBody>
+          <a:bodyPr/>
+          <a:lstStyle/>
+          <a:p>
+            <a:r>
+              <a:rPr lang="en-US" dirty="0"/>
+              <a:t>Have any questions? Please schedule </a:t>
+            </a:r>
+            <a:r>
+              <a:rPr lang="en-US"/>
+              <a:t>an appointment today!</a:t>
+            </a:r>
+          </a:p>
+        </p:txBody>
+      </p:sp>
+      <p:sp>
+        <p:nvSpPr>
+          <p:cNvPr id="4" name="Slide Number Placeholder 3"/>
+          <p:cNvSpPr>
+            <a:spLocks noGrp="1"/>
+          </p:cNvSpPr>
+          <p:nvPr>
+            <p:ph type="sldNum" sz="quarter" idx="5"/>
+          </p:nvPr>
+        </p:nvSpPr>
+        <p:spPr/>
+        <p:txBody>
+          <a:bodyPr/>
+          <a:lstStyle/>
+          <a:p>
+            <a:fld id="{68D8A56D-57E7-4451-A268-8025FB9ABA7E}" type="slidenum">
+              <a:rPr lang="en-US" smtClean="0"/>
+              <a:t>4</a:t>
+            </a:fld>
+            <a:endParaRPr lang="en-US"/>
+          </a:p>
+        </p:txBody>
+      </p:sp>
+    </p:spTree>
+    <p:extLst>
+      <p:ext uri="{BB962C8B-B14F-4D97-AF65-F5344CB8AC3E}">
+        <p14:creationId xmlns:p14="http://schemas.microsoft.com/office/powerpoint/2010/main" val="2724020962"/>
       </p:ext>
     </p:extLst>
   </p:cSld>
@@ -4264,7 +4356,7 @@
             <a:avLst/>
           </a:prstGeom>
           <a:solidFill>
-            <a:schemeClr val="accent1"/>
+            <a:srgbClr val="FFFF00"/>
           </a:solidFill>
         </p:spPr>
         <p:style>
@@ -4296,6 +4388,132 @@
     <p:extLst>
       <p:ext uri="{BB962C8B-B14F-4D97-AF65-F5344CB8AC3E}">
         <p14:creationId xmlns:p14="http://schemas.microsoft.com/office/powerpoint/2010/main" val="1569219947"/>
+      </p:ext>
+    </p:extLst>
+  </p:cSld>
+  <p:clrMapOvr>
+    <a:masterClrMapping/>
+  </p:clrMapOvr>
+</p:sld>
+</file>
+
+<file path=ppt/slides/slide4.xml><?xml version="1.0" encoding="utf-8"?>
+<p:sld xmlns:a="http://schemas.openxmlformats.org/drawingml/2006/main" xmlns:r="http://schemas.openxmlformats.org/officeDocument/2006/relationships" xmlns:p="http://schemas.openxmlformats.org/presentationml/2006/main">
+  <p:cSld>
+    <p:spTree>
+      <p:nvGrpSpPr>
+        <p:cNvPr id="1" name=""/>
+        <p:cNvGrpSpPr/>
+        <p:nvPr/>
+      </p:nvGrpSpPr>
+      <p:grpSpPr>
+        <a:xfrm>
+          <a:off x="0" y="0"/>
+          <a:ext cx="0" cy="0"/>
+          <a:chOff x="0" y="0"/>
+          <a:chExt cx="0" cy="0"/>
+        </a:xfrm>
+      </p:grpSpPr>
+      <p:sp>
+        <p:nvSpPr>
+          <p:cNvPr id="2" name="Title 1">
+            <a:extLst>
+              <a:ext uri="{FF2B5EF4-FFF2-40B4-BE49-F238E27FC236}">
+                <a16:creationId xmlns:a16="http://schemas.microsoft.com/office/drawing/2014/main" id="{FBB82ED0-A296-1681-F6DF-53C0E23A4C7A}"/>
+              </a:ext>
+            </a:extLst>
+          </p:cNvPr>
+          <p:cNvSpPr>
+            <a:spLocks noGrp="1"/>
+          </p:cNvSpPr>
+          <p:nvPr>
+            <p:ph type="title"/>
+          </p:nvPr>
+        </p:nvSpPr>
+        <p:spPr/>
+        <p:txBody>
+          <a:bodyPr/>
+          <a:lstStyle/>
+          <a:p>
+            <a:endParaRPr lang="en-US"/>
+          </a:p>
+        </p:txBody>
+      </p:sp>
+      <p:sp>
+        <p:nvSpPr>
+          <p:cNvPr id="3" name="Content Placeholder 2">
+            <a:extLst>
+              <a:ext uri="{FF2B5EF4-FFF2-40B4-BE49-F238E27FC236}">
+                <a16:creationId xmlns:a16="http://schemas.microsoft.com/office/drawing/2014/main" id="{46576688-7AFB-4C05-E6B5-363997F507A8}"/>
+              </a:ext>
+            </a:extLst>
+          </p:cNvPr>
+          <p:cNvSpPr>
+            <a:spLocks noGrp="1"/>
+          </p:cNvSpPr>
+          <p:nvPr>
+            <p:ph idx="1"/>
+          </p:nvPr>
+        </p:nvSpPr>
+        <p:spPr/>
+        <p:txBody>
+          <a:bodyPr/>
+          <a:lstStyle/>
+          <a:p>
+            <a:endParaRPr lang="en-US"/>
+          </a:p>
+        </p:txBody>
+      </p:sp>
+      <p:sp>
+        <p:nvSpPr>
+          <p:cNvPr id="4" name="Thought Bubble: Cloud 3">
+            <a:extLst>
+              <a:ext uri="{FF2B5EF4-FFF2-40B4-BE49-F238E27FC236}">
+                <a16:creationId xmlns:a16="http://schemas.microsoft.com/office/drawing/2014/main" id="{B6DA1023-91F8-DACE-79D3-0E1FC6C2CCF8}"/>
+              </a:ext>
+            </a:extLst>
+          </p:cNvPr>
+          <p:cNvSpPr/>
+          <p:nvPr/>
+        </p:nvSpPr>
+        <p:spPr>
+          <a:xfrm>
+            <a:off x="4797911" y="1247887"/>
+            <a:ext cx="3765176" cy="3087445"/>
+          </a:xfrm>
+          <a:prstGeom prst="cloudCallout">
+            <a:avLst/>
+          </a:prstGeom>
+        </p:spPr>
+        <p:style>
+          <a:lnRef idx="2">
+            <a:schemeClr val="accent1">
+              <a:shade val="15000"/>
+            </a:schemeClr>
+          </a:lnRef>
+          <a:fillRef idx="1">
+            <a:schemeClr val="accent1"/>
+          </a:fillRef>
+          <a:effectRef idx="0">
+            <a:schemeClr val="accent1"/>
+          </a:effectRef>
+          <a:fontRef idx="minor">
+            <a:schemeClr val="lt1"/>
+          </a:fontRef>
+        </p:style>
+        <p:txBody>
+          <a:bodyPr rtlCol="0" anchor="ctr"/>
+          <a:lstStyle/>
+          <a:p>
+            <a:pPr algn="ctr"/>
+            <a:endParaRPr lang="en-US"/>
+          </a:p>
+        </p:txBody>
+      </p:sp>
+    </p:spTree>
+    <p:extLst>
+      <p:ext uri="{BB962C8B-B14F-4D97-AF65-F5344CB8AC3E}">
+        <p14:creationId xmlns:p14="http://schemas.microsoft.com/office/powerpoint/2010/main" val="312546414"/>
       </p:ext>
     </p:extLst>
   </p:cSld>
